--- a/Lectures/Lecture 3/Lecture 3.pptx
+++ b/Lectures/Lecture 3/Lecture 3.pptx
@@ -208,7 +208,7 @@
           <a:p>
             <a:fld id="{467FE51A-BC06-4E6F-B1DA-B477364E598F}" type="datetimeFigureOut">
               <a:rPr lang="en-US" smtClean="0"/>
-              <a:t>1/14/2020</a:t>
+              <a:t>1/16/2020</a:t>
             </a:fld>
             <a:endParaRPr lang="en-US"/>
           </a:p>
@@ -790,7 +790,7 @@
           <a:p>
             <a:fld id="{11C4ABE2-2F1A-4C31-A43A-C3E7CE49CE95}" type="datetimeFigureOut">
               <a:rPr lang="en-US" smtClean="0"/>
-              <a:t>1/14/2020</a:t>
+              <a:t>1/16/2020</a:t>
             </a:fld>
             <a:endParaRPr lang="en-US"/>
           </a:p>
@@ -988,7 +988,7 @@
           <a:p>
             <a:fld id="{11C4ABE2-2F1A-4C31-A43A-C3E7CE49CE95}" type="datetimeFigureOut">
               <a:rPr lang="en-US" smtClean="0"/>
-              <a:t>1/14/2020</a:t>
+              <a:t>1/16/2020</a:t>
             </a:fld>
             <a:endParaRPr lang="en-US"/>
           </a:p>
@@ -1196,7 +1196,7 @@
           <a:p>
             <a:fld id="{11C4ABE2-2F1A-4C31-A43A-C3E7CE49CE95}" type="datetimeFigureOut">
               <a:rPr lang="en-US" smtClean="0"/>
-              <a:t>1/14/2020</a:t>
+              <a:t>1/16/2020</a:t>
             </a:fld>
             <a:endParaRPr lang="en-US"/>
           </a:p>
@@ -1394,7 +1394,7 @@
           <a:p>
             <a:fld id="{11C4ABE2-2F1A-4C31-A43A-C3E7CE49CE95}" type="datetimeFigureOut">
               <a:rPr lang="en-US" smtClean="0"/>
-              <a:t>1/14/2020</a:t>
+              <a:t>1/16/2020</a:t>
             </a:fld>
             <a:endParaRPr lang="en-US"/>
           </a:p>
@@ -1669,7 +1669,7 @@
           <a:p>
             <a:fld id="{11C4ABE2-2F1A-4C31-A43A-C3E7CE49CE95}" type="datetimeFigureOut">
               <a:rPr lang="en-US" smtClean="0"/>
-              <a:t>1/14/2020</a:t>
+              <a:t>1/16/2020</a:t>
             </a:fld>
             <a:endParaRPr lang="en-US"/>
           </a:p>
@@ -1934,7 +1934,7 @@
           <a:p>
             <a:fld id="{11C4ABE2-2F1A-4C31-A43A-C3E7CE49CE95}" type="datetimeFigureOut">
               <a:rPr lang="en-US" smtClean="0"/>
-              <a:t>1/14/2020</a:t>
+              <a:t>1/16/2020</a:t>
             </a:fld>
             <a:endParaRPr lang="en-US"/>
           </a:p>
@@ -2346,7 +2346,7 @@
           <a:p>
             <a:fld id="{11C4ABE2-2F1A-4C31-A43A-C3E7CE49CE95}" type="datetimeFigureOut">
               <a:rPr lang="en-US" smtClean="0"/>
-              <a:t>1/14/2020</a:t>
+              <a:t>1/16/2020</a:t>
             </a:fld>
             <a:endParaRPr lang="en-US"/>
           </a:p>
@@ -2487,7 +2487,7 @@
           <a:p>
             <a:fld id="{11C4ABE2-2F1A-4C31-A43A-C3E7CE49CE95}" type="datetimeFigureOut">
               <a:rPr lang="en-US" smtClean="0"/>
-              <a:t>1/14/2020</a:t>
+              <a:t>1/16/2020</a:t>
             </a:fld>
             <a:endParaRPr lang="en-US"/>
           </a:p>
@@ -2600,7 +2600,7 @@
           <a:p>
             <a:fld id="{11C4ABE2-2F1A-4C31-A43A-C3E7CE49CE95}" type="datetimeFigureOut">
               <a:rPr lang="en-US" smtClean="0"/>
-              <a:t>1/14/2020</a:t>
+              <a:t>1/16/2020</a:t>
             </a:fld>
             <a:endParaRPr lang="en-US"/>
           </a:p>
@@ -2911,7 +2911,7 @@
           <a:p>
             <a:fld id="{11C4ABE2-2F1A-4C31-A43A-C3E7CE49CE95}" type="datetimeFigureOut">
               <a:rPr lang="en-US" smtClean="0"/>
-              <a:t>1/14/2020</a:t>
+              <a:t>1/16/2020</a:t>
             </a:fld>
             <a:endParaRPr lang="en-US"/>
           </a:p>
@@ -3199,7 +3199,7 @@
           <a:p>
             <a:fld id="{11C4ABE2-2F1A-4C31-A43A-C3E7CE49CE95}" type="datetimeFigureOut">
               <a:rPr lang="en-US" smtClean="0"/>
-              <a:t>1/14/2020</a:t>
+              <a:t>1/16/2020</a:t>
             </a:fld>
             <a:endParaRPr lang="en-US"/>
           </a:p>
@@ -3440,7 +3440,7 @@
           <a:p>
             <a:fld id="{11C4ABE2-2F1A-4C31-A43A-C3E7CE49CE95}" type="datetimeFigureOut">
               <a:rPr lang="en-US" smtClean="0"/>
-              <a:t>1/14/2020</a:t>
+              <a:t>1/16/2020</a:t>
             </a:fld>
             <a:endParaRPr lang="en-US"/>
           </a:p>
@@ -8222,8 +8222,8 @@
           </a:p>
         </p:txBody>
       </p:sp>
-      <mc:AlternateContent xmlns:mc="http://schemas.openxmlformats.org/markup-compatibility/2006">
-        <mc:Choice xmlns:a14="http://schemas.microsoft.com/office/drawing/2010/main" Requires="a14">
+      <mc:AlternateContent xmlns:mc="http://schemas.openxmlformats.org/markup-compatibility/2006" xmlns:a14="http://schemas.microsoft.com/office/drawing/2010/main">
+        <mc:Choice Requires="a14">
           <p:sp>
             <p:nvSpPr>
               <p:cNvPr id="36" name="TextBox 35">
@@ -8475,7 +8475,7 @@
             </p:txBody>
           </p:sp>
         </mc:Choice>
-        <mc:Fallback>
+        <mc:Fallback xmlns="">
           <p:sp>
             <p:nvSpPr>
               <p:cNvPr id="36" name="TextBox 35">
@@ -10546,7 +10546,7 @@
                     </a:solidFill>
                     <a:latin typeface="Corbel" panose="020B0503020204020204" pitchFamily="34" charset="0"/>
                   </a:rPr>
-                  <a:t>Multiple Optimal Solutions</a:t>
+                  <a:t>Multiple optimal solutions</a:t>
                 </a:r>
               </a:p>
               <a:p>
@@ -10561,7 +10561,7 @@
                     </a:solidFill>
                     <a:latin typeface="Corbel" panose="020B0503020204020204" pitchFamily="34" charset="0"/>
                   </a:rPr>
-                  <a:t>Infeasible Problem</a:t>
+                  <a:t>Infeasible problem</a:t>
                 </a:r>
               </a:p>
               <a:p>
@@ -10576,7 +10576,7 @@
                     </a:solidFill>
                     <a:latin typeface="Corbel" panose="020B0503020204020204" pitchFamily="34" charset="0"/>
                   </a:rPr>
-                  <a:t>Unbounded Problem</a:t>
+                  <a:t>Unbounded problem</a:t>
                 </a:r>
               </a:p>
               <a:p>
@@ -11935,8 +11935,8 @@
           </a:extLst>
         </p:spPr>
       </p:pic>
-      <mc:AlternateContent xmlns:mc="http://schemas.openxmlformats.org/markup-compatibility/2006">
-        <mc:Choice xmlns:a14="http://schemas.microsoft.com/office/drawing/2010/main" Requires="a14">
+      <mc:AlternateContent xmlns:mc="http://schemas.openxmlformats.org/markup-compatibility/2006" xmlns:a14="http://schemas.microsoft.com/office/drawing/2010/main">
+        <mc:Choice Requires="a14">
           <p:sp>
             <p:nvSpPr>
               <p:cNvPr id="3" name="TextBox 2">
@@ -12056,6 +12056,7 @@
                 </a:endParaRPr>
               </a:p>
               <a:p>
+                <a:pPr/>
                 <a14:m>
                   <m:oMathPara xmlns:m="http://schemas.openxmlformats.org/officeDocument/2006/math">
                     <m:oMathParaPr>
@@ -12090,7 +12091,7 @@
             </p:txBody>
           </p:sp>
         </mc:Choice>
-        <mc:Fallback>
+        <mc:Fallback xmlns="">
           <p:sp>
             <p:nvSpPr>
               <p:cNvPr id="3" name="TextBox 2">
@@ -14004,8 +14005,8 @@
           </a:p>
         </p:txBody>
       </p:sp>
-      <mc:AlternateContent xmlns:mc="http://schemas.openxmlformats.org/markup-compatibility/2006">
-        <mc:Choice xmlns:a14="http://schemas.microsoft.com/office/drawing/2010/main" Requires="a14">
+      <mc:AlternateContent xmlns:mc="http://schemas.openxmlformats.org/markup-compatibility/2006" xmlns:a14="http://schemas.microsoft.com/office/drawing/2010/main">
+        <mc:Choice Requires="a14">
           <p:sp>
             <p:nvSpPr>
               <p:cNvPr id="36" name="TextBox 35">
@@ -14497,7 +14498,7 @@
             </p:txBody>
           </p:sp>
         </mc:Choice>
-        <mc:Fallback>
+        <mc:Fallback xmlns="">
           <p:sp>
             <p:nvSpPr>
               <p:cNvPr id="36" name="TextBox 35">
@@ -15531,8 +15532,8 @@
           </a:p>
         </p:txBody>
       </p:sp>
-      <mc:AlternateContent xmlns:mc="http://schemas.openxmlformats.org/markup-compatibility/2006">
-        <mc:Choice xmlns:a14="http://schemas.microsoft.com/office/drawing/2010/main" Requires="a14">
+      <mc:AlternateContent xmlns:mc="http://schemas.openxmlformats.org/markup-compatibility/2006" xmlns:a14="http://schemas.microsoft.com/office/drawing/2010/main">
+        <mc:Choice Requires="a14">
           <p:sp>
             <p:nvSpPr>
               <p:cNvPr id="36" name="TextBox 35">
@@ -16191,7 +16192,7 @@
             </p:txBody>
           </p:sp>
         </mc:Choice>
-        <mc:Fallback>
+        <mc:Fallback xmlns="">
           <p:sp>
             <p:nvSpPr>
               <p:cNvPr id="36" name="TextBox 35">
@@ -17425,8 +17426,8 @@
           </a:prstGeom>
         </p:spPr>
       </p:pic>
-      <mc:AlternateContent xmlns:mc="http://schemas.openxmlformats.org/markup-compatibility/2006">
-        <mc:Choice xmlns:a14="http://schemas.microsoft.com/office/drawing/2010/main" Requires="a14">
+      <mc:AlternateContent xmlns:mc="http://schemas.openxmlformats.org/markup-compatibility/2006" xmlns:a14="http://schemas.microsoft.com/office/drawing/2010/main">
+        <mc:Choice Requires="a14">
           <p:sp>
             <p:nvSpPr>
               <p:cNvPr id="23" name="TextBox 22">
@@ -17633,13 +17634,7 @@
                       <a:rPr lang="en-US" sz="2000" i="1">
                         <a:latin typeface="Cambria Math" panose="02040503050406030204" pitchFamily="18" charset="0"/>
                       </a:rPr>
-                      <m:t>−</m:t>
-                    </m:r>
-                    <m:r>
-                      <a:rPr lang="en-US" sz="2000" b="0" i="1" smtClean="0">
-                        <a:latin typeface="Cambria Math" panose="02040503050406030204" pitchFamily="18" charset="0"/>
-                      </a:rPr>
-                      <m:t>9</m:t>
+                      <m:t>−9</m:t>
                     </m:r>
                     <m:r>
                       <a:rPr lang="en-US" sz="2000" i="1">
@@ -17718,7 +17713,7 @@
             </p:txBody>
           </p:sp>
         </mc:Choice>
-        <mc:Fallback>
+        <mc:Fallback xmlns="">
           <p:sp>
             <p:nvSpPr>
               <p:cNvPr id="23" name="TextBox 22">
@@ -19542,8 +19537,8 @@
           </a:p>
         </p:txBody>
       </p:sp>
-      <mc:AlternateContent xmlns:mc="http://schemas.openxmlformats.org/markup-compatibility/2006">
-        <mc:Choice xmlns:a14="http://schemas.microsoft.com/office/drawing/2010/main" Requires="a14">
+      <mc:AlternateContent xmlns:mc="http://schemas.openxmlformats.org/markup-compatibility/2006" xmlns:a14="http://schemas.microsoft.com/office/drawing/2010/main">
+        <mc:Choice Requires="a14">
           <p:sp>
             <p:nvSpPr>
               <p:cNvPr id="36" name="TextBox 35">
@@ -19823,19 +19818,7 @@
                           <a:rPr lang="en-US" sz="2000" i="1">
                             <a:latin typeface="Cambria Math" panose="02040503050406030204" pitchFamily="18" charset="0"/>
                           </a:rPr>
-                          <m:t>54</m:t>
-                        </m:r>
-                        <m:r>
-                          <a:rPr lang="en-US" sz="2000" i="1">
-                            <a:latin typeface="Cambria Math" panose="02040503050406030204" pitchFamily="18" charset="0"/>
-                          </a:rPr>
-                          <m:t>,</m:t>
-                        </m:r>
-                        <m:r>
-                          <a:rPr lang="en-US" sz="2000" i="1">
-                            <a:latin typeface="Cambria Math" panose="02040503050406030204" pitchFamily="18" charset="0"/>
-                          </a:rPr>
-                          <m:t>6</m:t>
+                          <m:t>54,6</m:t>
                         </m:r>
                       </m:e>
                     </m:d>
@@ -19860,7 +19843,7 @@
             </p:txBody>
           </p:sp>
         </mc:Choice>
-        <mc:Fallback>
+        <mc:Fallback xmlns="">
           <p:sp>
             <p:nvSpPr>
               <p:cNvPr id="36" name="TextBox 35">
@@ -20064,8 +20047,8 @@
           </a:effectLst>
         </p:spPr>
       </p:pic>
-      <mc:AlternateContent xmlns:mc="http://schemas.openxmlformats.org/markup-compatibility/2006">
-        <mc:Choice xmlns:a14="http://schemas.microsoft.com/office/drawing/2010/main" Requires="a14">
+      <mc:AlternateContent xmlns:mc="http://schemas.openxmlformats.org/markup-compatibility/2006" xmlns:a14="http://schemas.microsoft.com/office/drawing/2010/main">
+        <mc:Choice Requires="a14">
           <p:sp>
             <p:nvSpPr>
               <p:cNvPr id="23" name="TextBox 22">
@@ -20094,6 +20077,7 @@
               </a:bodyPr>
               <a:lstStyle/>
               <a:p>
+                <a:pPr/>
                 <a14:m>
                   <m:oMathPara xmlns:m="http://schemas.openxmlformats.org/officeDocument/2006/math">
                     <m:oMathParaPr>
@@ -20155,6 +20139,7 @@
                 </a:endParaRPr>
               </a:p>
               <a:p>
+                <a:pPr/>
                 <a14:m>
                   <m:oMathPara xmlns:m="http://schemas.openxmlformats.org/officeDocument/2006/math">
                     <m:oMathParaPr>
@@ -20211,6 +20196,7 @@
                 </a:endParaRPr>
               </a:p>
               <a:p>
+                <a:pPr/>
                 <a14:m>
                   <m:oMathPara xmlns:m="http://schemas.openxmlformats.org/officeDocument/2006/math">
                     <m:oMathParaPr>
@@ -20221,13 +20207,7 @@
                         <a:rPr lang="en-US" sz="2000" i="1">
                           <a:latin typeface="Cambria Math" panose="02040503050406030204" pitchFamily="18" charset="0"/>
                         </a:rPr>
-                        <m:t>160</m:t>
-                      </m:r>
-                      <m:r>
-                        <a:rPr lang="en-US" sz="2000" i="1">
-                          <a:latin typeface="Cambria Math" panose="02040503050406030204" pitchFamily="18" charset="0"/>
-                        </a:rPr>
-                        <m:t>−</m:t>
+                        <m:t>160−</m:t>
                       </m:r>
                       <m:r>
                         <a:rPr lang="en-US" sz="2000" b="0" i="1" smtClean="0">
@@ -20255,6 +20235,7 @@
                 </a:endParaRPr>
               </a:p>
               <a:p>
+                <a:pPr/>
                 <a14:m>
                   <m:oMathPara xmlns:m="http://schemas.openxmlformats.org/officeDocument/2006/math">
                     <m:oMathParaPr>
@@ -20376,7 +20357,7 @@
             </p:txBody>
           </p:sp>
         </mc:Choice>
-        <mc:Fallback>
+        <mc:Fallback xmlns="">
           <p:sp>
             <p:nvSpPr>
               <p:cNvPr id="23" name="TextBox 22">

--- a/Lectures/Lecture 3/Lecture 3.pptx
+++ b/Lectures/Lecture 3/Lecture 3.pptx
@@ -208,7 +208,7 @@
           <a:p>
             <a:fld id="{467FE51A-BC06-4E6F-B1DA-B477364E598F}" type="datetimeFigureOut">
               <a:rPr lang="en-US" smtClean="0"/>
-              <a:t>1/16/2020</a:t>
+              <a:t>1/26/2021</a:t>
             </a:fld>
             <a:endParaRPr lang="en-US"/>
           </a:p>
@@ -790,7 +790,7 @@
           <a:p>
             <a:fld id="{11C4ABE2-2F1A-4C31-A43A-C3E7CE49CE95}" type="datetimeFigureOut">
               <a:rPr lang="en-US" smtClean="0"/>
-              <a:t>1/16/2020</a:t>
+              <a:t>1/26/2021</a:t>
             </a:fld>
             <a:endParaRPr lang="en-US"/>
           </a:p>
@@ -988,7 +988,7 @@
           <a:p>
             <a:fld id="{11C4ABE2-2F1A-4C31-A43A-C3E7CE49CE95}" type="datetimeFigureOut">
               <a:rPr lang="en-US" smtClean="0"/>
-              <a:t>1/16/2020</a:t>
+              <a:t>1/26/2021</a:t>
             </a:fld>
             <a:endParaRPr lang="en-US"/>
           </a:p>
@@ -1196,7 +1196,7 @@
           <a:p>
             <a:fld id="{11C4ABE2-2F1A-4C31-A43A-C3E7CE49CE95}" type="datetimeFigureOut">
               <a:rPr lang="en-US" smtClean="0"/>
-              <a:t>1/16/2020</a:t>
+              <a:t>1/26/2021</a:t>
             </a:fld>
             <a:endParaRPr lang="en-US"/>
           </a:p>
@@ -1394,7 +1394,7 @@
           <a:p>
             <a:fld id="{11C4ABE2-2F1A-4C31-A43A-C3E7CE49CE95}" type="datetimeFigureOut">
               <a:rPr lang="en-US" smtClean="0"/>
-              <a:t>1/16/2020</a:t>
+              <a:t>1/26/2021</a:t>
             </a:fld>
             <a:endParaRPr lang="en-US"/>
           </a:p>
@@ -1669,7 +1669,7 @@
           <a:p>
             <a:fld id="{11C4ABE2-2F1A-4C31-A43A-C3E7CE49CE95}" type="datetimeFigureOut">
               <a:rPr lang="en-US" smtClean="0"/>
-              <a:t>1/16/2020</a:t>
+              <a:t>1/26/2021</a:t>
             </a:fld>
             <a:endParaRPr lang="en-US"/>
           </a:p>
@@ -1934,7 +1934,7 @@
           <a:p>
             <a:fld id="{11C4ABE2-2F1A-4C31-A43A-C3E7CE49CE95}" type="datetimeFigureOut">
               <a:rPr lang="en-US" smtClean="0"/>
-              <a:t>1/16/2020</a:t>
+              <a:t>1/26/2021</a:t>
             </a:fld>
             <a:endParaRPr lang="en-US"/>
           </a:p>
@@ -2346,7 +2346,7 @@
           <a:p>
             <a:fld id="{11C4ABE2-2F1A-4C31-A43A-C3E7CE49CE95}" type="datetimeFigureOut">
               <a:rPr lang="en-US" smtClean="0"/>
-              <a:t>1/16/2020</a:t>
+              <a:t>1/26/2021</a:t>
             </a:fld>
             <a:endParaRPr lang="en-US"/>
           </a:p>
@@ -2487,7 +2487,7 @@
           <a:p>
             <a:fld id="{11C4ABE2-2F1A-4C31-A43A-C3E7CE49CE95}" type="datetimeFigureOut">
               <a:rPr lang="en-US" smtClean="0"/>
-              <a:t>1/16/2020</a:t>
+              <a:t>1/26/2021</a:t>
             </a:fld>
             <a:endParaRPr lang="en-US"/>
           </a:p>
@@ -2600,7 +2600,7 @@
           <a:p>
             <a:fld id="{11C4ABE2-2F1A-4C31-A43A-C3E7CE49CE95}" type="datetimeFigureOut">
               <a:rPr lang="en-US" smtClean="0"/>
-              <a:t>1/16/2020</a:t>
+              <a:t>1/26/2021</a:t>
             </a:fld>
             <a:endParaRPr lang="en-US"/>
           </a:p>
@@ -2911,7 +2911,7 @@
           <a:p>
             <a:fld id="{11C4ABE2-2F1A-4C31-A43A-C3E7CE49CE95}" type="datetimeFigureOut">
               <a:rPr lang="en-US" smtClean="0"/>
-              <a:t>1/16/2020</a:t>
+              <a:t>1/26/2021</a:t>
             </a:fld>
             <a:endParaRPr lang="en-US"/>
           </a:p>
@@ -3199,7 +3199,7 @@
           <a:p>
             <a:fld id="{11C4ABE2-2F1A-4C31-A43A-C3E7CE49CE95}" type="datetimeFigureOut">
               <a:rPr lang="en-US" smtClean="0"/>
-              <a:t>1/16/2020</a:t>
+              <a:t>1/26/2021</a:t>
             </a:fld>
             <a:endParaRPr lang="en-US"/>
           </a:p>
@@ -3440,7 +3440,7 @@
           <a:p>
             <a:fld id="{11C4ABE2-2F1A-4C31-A43A-C3E7CE49CE95}" type="datetimeFigureOut">
               <a:rPr lang="en-US" smtClean="0"/>
-              <a:t>1/16/2020</a:t>
+              <a:t>1/26/2021</a:t>
             </a:fld>
             <a:endParaRPr lang="en-US"/>
           </a:p>
@@ -10179,8 +10179,8 @@
           </a:p>
         </p:txBody>
       </p:sp>
-      <mc:AlternateContent xmlns:mc="http://schemas.openxmlformats.org/markup-compatibility/2006">
-        <mc:Choice xmlns:a14="http://schemas.microsoft.com/office/drawing/2010/main" Requires="a14">
+      <mc:AlternateContent xmlns:mc="http://schemas.openxmlformats.org/markup-compatibility/2006" xmlns:a14="http://schemas.microsoft.com/office/drawing/2010/main">
+        <mc:Choice Requires="a14">
           <p:sp>
             <p:nvSpPr>
               <p:cNvPr id="36" name="TextBox 35">
@@ -10590,7 +10590,7 @@
             </p:txBody>
           </p:sp>
         </mc:Choice>
-        <mc:Fallback>
+        <mc:Fallback xmlns="">
           <p:sp>
             <p:nvSpPr>
               <p:cNvPr id="36" name="TextBox 35">
@@ -12999,23 +12999,8 @@
                 </a:solidFill>
                 <a:latin typeface="Corbel" panose="020B0503020204020204" pitchFamily="34" charset="0"/>
               </a:rPr>
-              <a:t>The </a:t>
+              <a:t>The Possibility</a:t>
             </a:r>
-            <a:r>
-              <a:rPr lang="en-US" sz="2000" i="1" dirty="0" err="1">
-                <a:solidFill>
-                  <a:srgbClr val="404040"/>
-                </a:solidFill>
-                <a:latin typeface="Corbel" panose="020B0503020204020204" pitchFamily="34" charset="0"/>
-              </a:rPr>
-              <a:t>Possiblity</a:t>
-            </a:r>
-            <a:endParaRPr lang="en-US" sz="2000" i="1" dirty="0">
-              <a:solidFill>
-                <a:srgbClr val="404040"/>
-              </a:solidFill>
-              <a:latin typeface="Corbel" panose="020B0503020204020204" pitchFamily="34" charset="0"/>
-            </a:endParaRPr>
           </a:p>
           <a:p>
             <a:pPr marL="285750" indent="-285750">
@@ -13095,7 +13080,7 @@
                 </a:solidFill>
                 <a:latin typeface="Corbel" panose="020B0503020204020204" pitchFamily="34" charset="0"/>
               </a:rPr>
-              <a:t>Q: What considerations exists for Angela and Zooey to optimize their business?</a:t>
+              <a:t>Q: What considerations exist for Angela and Zooey to optimize their business?</a:t>
             </a:r>
           </a:p>
         </p:txBody>
@@ -14005,8 +13990,8 @@
           </a:p>
         </p:txBody>
       </p:sp>
-      <mc:AlternateContent xmlns:mc="http://schemas.openxmlformats.org/markup-compatibility/2006" xmlns:a14="http://schemas.microsoft.com/office/drawing/2010/main">
-        <mc:Choice Requires="a14">
+      <mc:AlternateContent xmlns:mc="http://schemas.openxmlformats.org/markup-compatibility/2006">
+        <mc:Choice xmlns:a14="http://schemas.microsoft.com/office/drawing/2010/main" Requires="a14">
           <p:sp>
             <p:nvSpPr>
               <p:cNvPr id="36" name="TextBox 35">
@@ -14354,7 +14339,7 @@
                     </a:solidFill>
                     <a:latin typeface="Corbel" panose="020B0503020204020204" pitchFamily="34" charset="0"/>
                   </a:rPr>
-                  <a:t>Goal: maximize their nightly profit</a:t>
+                  <a:t>Goal: Maximize their nightly profit</a:t>
                 </a:r>
               </a:p>
               <a:p>
@@ -14498,7 +14483,7 @@
             </p:txBody>
           </p:sp>
         </mc:Choice>
-        <mc:Fallback xmlns="">
+        <mc:Fallback>
           <p:sp>
             <p:nvSpPr>
               <p:cNvPr id="36" name="TextBox 35">

--- a/Lectures/Lecture 3/Lecture 3.pptx
+++ b/Lectures/Lecture 3/Lecture 3.pptx
@@ -208,7 +208,7 @@
           <a:p>
             <a:fld id="{467FE51A-BC06-4E6F-B1DA-B477364E598F}" type="datetimeFigureOut">
               <a:rPr lang="en-US" smtClean="0"/>
-              <a:t>1/26/2021</a:t>
+              <a:t>1/27/2021</a:t>
             </a:fld>
             <a:endParaRPr lang="en-US"/>
           </a:p>
@@ -790,7 +790,7 @@
           <a:p>
             <a:fld id="{11C4ABE2-2F1A-4C31-A43A-C3E7CE49CE95}" type="datetimeFigureOut">
               <a:rPr lang="en-US" smtClean="0"/>
-              <a:t>1/26/2021</a:t>
+              <a:t>1/27/2021</a:t>
             </a:fld>
             <a:endParaRPr lang="en-US"/>
           </a:p>
@@ -988,7 +988,7 @@
           <a:p>
             <a:fld id="{11C4ABE2-2F1A-4C31-A43A-C3E7CE49CE95}" type="datetimeFigureOut">
               <a:rPr lang="en-US" smtClean="0"/>
-              <a:t>1/26/2021</a:t>
+              <a:t>1/27/2021</a:t>
             </a:fld>
             <a:endParaRPr lang="en-US"/>
           </a:p>
@@ -1196,7 +1196,7 @@
           <a:p>
             <a:fld id="{11C4ABE2-2F1A-4C31-A43A-C3E7CE49CE95}" type="datetimeFigureOut">
               <a:rPr lang="en-US" smtClean="0"/>
-              <a:t>1/26/2021</a:t>
+              <a:t>1/27/2021</a:t>
             </a:fld>
             <a:endParaRPr lang="en-US"/>
           </a:p>
@@ -1394,7 +1394,7 @@
           <a:p>
             <a:fld id="{11C4ABE2-2F1A-4C31-A43A-C3E7CE49CE95}" type="datetimeFigureOut">
               <a:rPr lang="en-US" smtClean="0"/>
-              <a:t>1/26/2021</a:t>
+              <a:t>1/27/2021</a:t>
             </a:fld>
             <a:endParaRPr lang="en-US"/>
           </a:p>
@@ -1669,7 +1669,7 @@
           <a:p>
             <a:fld id="{11C4ABE2-2F1A-4C31-A43A-C3E7CE49CE95}" type="datetimeFigureOut">
               <a:rPr lang="en-US" smtClean="0"/>
-              <a:t>1/26/2021</a:t>
+              <a:t>1/27/2021</a:t>
             </a:fld>
             <a:endParaRPr lang="en-US"/>
           </a:p>
@@ -1934,7 +1934,7 @@
           <a:p>
             <a:fld id="{11C4ABE2-2F1A-4C31-A43A-C3E7CE49CE95}" type="datetimeFigureOut">
               <a:rPr lang="en-US" smtClean="0"/>
-              <a:t>1/26/2021</a:t>
+              <a:t>1/27/2021</a:t>
             </a:fld>
             <a:endParaRPr lang="en-US"/>
           </a:p>
@@ -2346,7 +2346,7 @@
           <a:p>
             <a:fld id="{11C4ABE2-2F1A-4C31-A43A-C3E7CE49CE95}" type="datetimeFigureOut">
               <a:rPr lang="en-US" smtClean="0"/>
-              <a:t>1/26/2021</a:t>
+              <a:t>1/27/2021</a:t>
             </a:fld>
             <a:endParaRPr lang="en-US"/>
           </a:p>
@@ -2487,7 +2487,7 @@
           <a:p>
             <a:fld id="{11C4ABE2-2F1A-4C31-A43A-C3E7CE49CE95}" type="datetimeFigureOut">
               <a:rPr lang="en-US" smtClean="0"/>
-              <a:t>1/26/2021</a:t>
+              <a:t>1/27/2021</a:t>
             </a:fld>
             <a:endParaRPr lang="en-US"/>
           </a:p>
@@ -2600,7 +2600,7 @@
           <a:p>
             <a:fld id="{11C4ABE2-2F1A-4C31-A43A-C3E7CE49CE95}" type="datetimeFigureOut">
               <a:rPr lang="en-US" smtClean="0"/>
-              <a:t>1/26/2021</a:t>
+              <a:t>1/27/2021</a:t>
             </a:fld>
             <a:endParaRPr lang="en-US"/>
           </a:p>
@@ -2911,7 +2911,7 @@
           <a:p>
             <a:fld id="{11C4ABE2-2F1A-4C31-A43A-C3E7CE49CE95}" type="datetimeFigureOut">
               <a:rPr lang="en-US" smtClean="0"/>
-              <a:t>1/26/2021</a:t>
+              <a:t>1/27/2021</a:t>
             </a:fld>
             <a:endParaRPr lang="en-US"/>
           </a:p>
@@ -3199,7 +3199,7 @@
           <a:p>
             <a:fld id="{11C4ABE2-2F1A-4C31-A43A-C3E7CE49CE95}" type="datetimeFigureOut">
               <a:rPr lang="en-US" smtClean="0"/>
-              <a:t>1/26/2021</a:t>
+              <a:t>1/27/2021</a:t>
             </a:fld>
             <a:endParaRPr lang="en-US"/>
           </a:p>
@@ -3440,7 +3440,7 @@
           <a:p>
             <a:fld id="{11C4ABE2-2F1A-4C31-A43A-C3E7CE49CE95}" type="datetimeFigureOut">
               <a:rPr lang="en-US" smtClean="0"/>
-              <a:t>1/26/2021</a:t>
+              <a:t>1/27/2021</a:t>
             </a:fld>
             <a:endParaRPr lang="en-US"/>
           </a:p>
@@ -13990,8 +13990,8 @@
           </a:p>
         </p:txBody>
       </p:sp>
-      <mc:AlternateContent xmlns:mc="http://schemas.openxmlformats.org/markup-compatibility/2006">
-        <mc:Choice xmlns:a14="http://schemas.microsoft.com/office/drawing/2010/main" Requires="a14">
+      <mc:AlternateContent xmlns:mc="http://schemas.openxmlformats.org/markup-compatibility/2006" xmlns:a14="http://schemas.microsoft.com/office/drawing/2010/main">
+        <mc:Choice Requires="a14">
           <p:sp>
             <p:nvSpPr>
               <p:cNvPr id="36" name="TextBox 35">
@@ -14483,7 +14483,7 @@
             </p:txBody>
           </p:sp>
         </mc:Choice>
-        <mc:Fallback>
+        <mc:Fallback xmlns="">
           <p:sp>
             <p:nvSpPr>
               <p:cNvPr id="36" name="TextBox 35">
@@ -17411,8 +17411,8 @@
           </a:prstGeom>
         </p:spPr>
       </p:pic>
-      <mc:AlternateContent xmlns:mc="http://schemas.openxmlformats.org/markup-compatibility/2006" xmlns:a14="http://schemas.microsoft.com/office/drawing/2010/main">
-        <mc:Choice Requires="a14">
+      <mc:AlternateContent xmlns:mc="http://schemas.openxmlformats.org/markup-compatibility/2006">
+        <mc:Choice xmlns:a14="http://schemas.microsoft.com/office/drawing/2010/main" Requires="a14">
           <p:sp>
             <p:nvSpPr>
               <p:cNvPr id="23" name="TextBox 22">
@@ -17628,10 +17628,16 @@
                       <m:t>𝑦</m:t>
                     </m:r>
                     <m:r>
+                      <a:rPr lang="en-US" sz="2000" b="0" i="1" smtClean="0">
+                        <a:latin typeface="Cambria Math" panose="02040503050406030204" pitchFamily="18" charset="0"/>
+                      </a:rPr>
+                      <m:t>≤</m:t>
+                    </m:r>
+                    <m:r>
                       <a:rPr lang="en-US" sz="2000" i="1">
                         <a:latin typeface="Cambria Math" panose="02040503050406030204" pitchFamily="18" charset="0"/>
                       </a:rPr>
-                      <m:t>≥0</m:t>
+                      <m:t>0</m:t>
                     </m:r>
                   </m:oMath>
                 </a14:m>
@@ -17698,7 +17704,7 @@
             </p:txBody>
           </p:sp>
         </mc:Choice>
-        <mc:Fallback xmlns="">
+        <mc:Fallback>
           <p:sp>
             <p:nvSpPr>
               <p:cNvPr id="23" name="TextBox 22">
